--- a/Application lifecycle.pptx
+++ b/Application lifecycle.pptx
@@ -808,7 +808,7 @@
             <a:fld id="{B61BEF0D-F0BB-DE4B-95CE-6DB70DBA9567}" type="datetimeFigureOut">
               <a:rPr lang="en-US" smtClean="0"/>
               <a:pPr/>
-              <a:t>3/11/2014</a:t>
+              <a:t>4/19/2019</a:t>
             </a:fld>
             <a:endParaRPr lang="en-US" dirty="0"/>
           </a:p>
@@ -918,7 +918,7 @@
     </p:spTree>
     <p:extLst>
       <p:ext uri="{BB962C8B-B14F-4D97-AF65-F5344CB8AC3E}">
-        <p14:creationId xmlns:p14="http://schemas.microsoft.com/office/powerpoint/2010/main" xmlns="" val="257856061"/>
+        <p14:creationId xmlns:p14="http://schemas.microsoft.com/office/powerpoint/2010/main" val="257856061"/>
       </p:ext>
     </p:extLst>
   </p:cSld>
@@ -1971,7 +1971,7 @@
             <a:fld id="{B61BEF0D-F0BB-DE4B-95CE-6DB70DBA9567}" type="datetimeFigureOut">
               <a:rPr lang="en-US" smtClean="0"/>
               <a:pPr/>
-              <a:t>3/11/2014</a:t>
+              <a:t>4/19/2019</a:t>
             </a:fld>
             <a:endParaRPr lang="en-US" dirty="0"/>
           </a:p>
@@ -2059,7 +2059,7 @@
     </p:spTree>
     <p:extLst>
       <p:ext uri="{BB962C8B-B14F-4D97-AF65-F5344CB8AC3E}">
-        <p14:creationId xmlns:p14="http://schemas.microsoft.com/office/powerpoint/2010/main" xmlns="" val="1821758460"/>
+        <p14:creationId xmlns:p14="http://schemas.microsoft.com/office/powerpoint/2010/main" val="1821758460"/>
       </p:ext>
     </p:extLst>
   </p:cSld>
@@ -3027,7 +3027,7 @@
             <a:fld id="{B61BEF0D-F0BB-DE4B-95CE-6DB70DBA9567}" type="datetimeFigureOut">
               <a:rPr lang="en-US" smtClean="0"/>
               <a:pPr/>
-              <a:t>3/11/2014</a:t>
+              <a:t>4/19/2019</a:t>
             </a:fld>
             <a:endParaRPr lang="en-US" dirty="0"/>
           </a:p>
@@ -3115,7 +3115,7 @@
     </p:spTree>
     <p:extLst>
       <p:ext uri="{BB962C8B-B14F-4D97-AF65-F5344CB8AC3E}">
-        <p14:creationId xmlns:p14="http://schemas.microsoft.com/office/powerpoint/2010/main" xmlns="" val="3393530122"/>
+        <p14:creationId xmlns:p14="http://schemas.microsoft.com/office/powerpoint/2010/main" val="3393530122"/>
       </p:ext>
     </p:extLst>
   </p:cSld>
@@ -4242,7 +4242,7 @@
             <a:fld id="{B61BEF0D-F0BB-DE4B-95CE-6DB70DBA9567}" type="datetimeFigureOut">
               <a:rPr lang="en-US" smtClean="0"/>
               <a:pPr/>
-              <a:t>3/11/2014</a:t>
+              <a:t>4/19/2019</a:t>
             </a:fld>
             <a:endParaRPr lang="en-US" dirty="0"/>
           </a:p>
@@ -4330,7 +4330,7 @@
     </p:spTree>
     <p:extLst>
       <p:ext uri="{BB962C8B-B14F-4D97-AF65-F5344CB8AC3E}">
-        <p14:creationId xmlns:p14="http://schemas.microsoft.com/office/powerpoint/2010/main" xmlns="" val="2049498177"/>
+        <p14:creationId xmlns:p14="http://schemas.microsoft.com/office/powerpoint/2010/main" val="2049498177"/>
       </p:ext>
     </p:extLst>
   </p:cSld>
@@ -5348,7 +5348,7 @@
             <a:fld id="{B61BEF0D-F0BB-DE4B-95CE-6DB70DBA9567}" type="datetimeFigureOut">
               <a:rPr lang="en-US" smtClean="0"/>
               <a:pPr/>
-              <a:t>3/11/2014</a:t>
+              <a:t>4/19/2019</a:t>
             </a:fld>
             <a:endParaRPr lang="en-US" dirty="0"/>
           </a:p>
@@ -5436,7 +5436,7 @@
     </p:spTree>
     <p:extLst>
       <p:ext uri="{BB962C8B-B14F-4D97-AF65-F5344CB8AC3E}">
-        <p14:creationId xmlns:p14="http://schemas.microsoft.com/office/powerpoint/2010/main" xmlns="" val="2818414050"/>
+        <p14:creationId xmlns:p14="http://schemas.microsoft.com/office/powerpoint/2010/main" val="2818414050"/>
       </p:ext>
     </p:extLst>
   </p:cSld>
@@ -6002,7 +6002,7 @@
             <a:fld id="{B61BEF0D-F0BB-DE4B-95CE-6DB70DBA9567}" type="datetimeFigureOut">
               <a:rPr lang="en-US" smtClean="0"/>
               <a:pPr/>
-              <a:t>3/11/2014</a:t>
+              <a:t>4/19/2019</a:t>
             </a:fld>
             <a:endParaRPr lang="en-US" dirty="0"/>
           </a:p>
@@ -6054,7 +6054,7 @@
     </p:spTree>
     <p:extLst>
       <p:ext uri="{BB962C8B-B14F-4D97-AF65-F5344CB8AC3E}">
-        <p14:creationId xmlns:p14="http://schemas.microsoft.com/office/powerpoint/2010/main" xmlns="" val="3470605540"/>
+        <p14:creationId xmlns:p14="http://schemas.microsoft.com/office/powerpoint/2010/main" val="3470605540"/>
       </p:ext>
     </p:extLst>
   </p:cSld>
@@ -6851,7 +6851,7 @@
             <a:fld id="{B61BEF0D-F0BB-DE4B-95CE-6DB70DBA9567}" type="datetimeFigureOut">
               <a:rPr lang="en-US" smtClean="0"/>
               <a:pPr/>
-              <a:t>3/11/2014</a:t>
+              <a:t>4/19/2019</a:t>
             </a:fld>
             <a:endParaRPr lang="en-US" dirty="0"/>
           </a:p>
@@ -6903,7 +6903,7 @@
     </p:spTree>
     <p:extLst>
       <p:ext uri="{BB962C8B-B14F-4D97-AF65-F5344CB8AC3E}">
-        <p14:creationId xmlns:p14="http://schemas.microsoft.com/office/powerpoint/2010/main" xmlns="" val="3130781788"/>
+        <p14:creationId xmlns:p14="http://schemas.microsoft.com/office/powerpoint/2010/main" val="3130781788"/>
       </p:ext>
     </p:extLst>
   </p:cSld>
@@ -7038,7 +7038,7 @@
             <a:fld id="{B61BEF0D-F0BB-DE4B-95CE-6DB70DBA9567}" type="datetimeFigureOut">
               <a:rPr lang="en-US" smtClean="0"/>
               <a:pPr/>
-              <a:t>3/11/2014</a:t>
+              <a:t>4/19/2019</a:t>
             </a:fld>
             <a:endParaRPr lang="en-US" dirty="0"/>
           </a:p>
@@ -7090,7 +7090,7 @@
     </p:spTree>
     <p:extLst>
       <p:ext uri="{BB962C8B-B14F-4D97-AF65-F5344CB8AC3E}">
-        <p14:creationId xmlns:p14="http://schemas.microsoft.com/office/powerpoint/2010/main" xmlns="" val="690029993"/>
+        <p14:creationId xmlns:p14="http://schemas.microsoft.com/office/powerpoint/2010/main" val="690029993"/>
       </p:ext>
     </p:extLst>
   </p:cSld>
@@ -8081,7 +8081,7 @@
             <a:fld id="{B61BEF0D-F0BB-DE4B-95CE-6DB70DBA9567}" type="datetimeFigureOut">
               <a:rPr lang="en-US" smtClean="0"/>
               <a:pPr/>
-              <a:t>3/11/2014</a:t>
+              <a:t>4/19/2019</a:t>
             </a:fld>
             <a:endParaRPr lang="en-US" dirty="0"/>
           </a:p>
@@ -8169,7 +8169,7 @@
     </p:spTree>
     <p:extLst>
       <p:ext uri="{BB962C8B-B14F-4D97-AF65-F5344CB8AC3E}">
-        <p14:creationId xmlns:p14="http://schemas.microsoft.com/office/powerpoint/2010/main" xmlns="" val="2248126781"/>
+        <p14:creationId xmlns:p14="http://schemas.microsoft.com/office/powerpoint/2010/main" val="2248126781"/>
       </p:ext>
     </p:extLst>
   </p:cSld>
@@ -8299,7 +8299,7 @@
             <a:fld id="{B61BEF0D-F0BB-DE4B-95CE-6DB70DBA9567}" type="datetimeFigureOut">
               <a:rPr lang="en-US" smtClean="0"/>
               <a:pPr/>
-              <a:t>3/11/2014</a:t>
+              <a:t>4/19/2019</a:t>
             </a:fld>
             <a:endParaRPr lang="en-US" dirty="0"/>
           </a:p>
@@ -8351,7 +8351,7 @@
     </p:spTree>
     <p:extLst>
       <p:ext uri="{BB962C8B-B14F-4D97-AF65-F5344CB8AC3E}">
-        <p14:creationId xmlns:p14="http://schemas.microsoft.com/office/powerpoint/2010/main" xmlns="" val="699467239"/>
+        <p14:creationId xmlns:p14="http://schemas.microsoft.com/office/powerpoint/2010/main" val="699467239"/>
       </p:ext>
     </p:extLst>
   </p:cSld>
@@ -9406,7 +9406,7 @@
             <a:fld id="{B61BEF0D-F0BB-DE4B-95CE-6DB70DBA9567}" type="datetimeFigureOut">
               <a:rPr lang="en-US" smtClean="0"/>
               <a:pPr/>
-              <a:t>3/11/2014</a:t>
+              <a:t>4/19/2019</a:t>
             </a:fld>
             <a:endParaRPr lang="en-US" dirty="0"/>
           </a:p>
@@ -9494,7 +9494,7 @@
     </p:spTree>
     <p:extLst>
       <p:ext uri="{BB962C8B-B14F-4D97-AF65-F5344CB8AC3E}">
-        <p14:creationId xmlns:p14="http://schemas.microsoft.com/office/powerpoint/2010/main" xmlns="" val="2046181607"/>
+        <p14:creationId xmlns:p14="http://schemas.microsoft.com/office/powerpoint/2010/main" val="2046181607"/>
       </p:ext>
     </p:extLst>
   </p:cSld>
@@ -9680,7 +9680,7 @@
             <a:fld id="{B61BEF0D-F0BB-DE4B-95CE-6DB70DBA9567}" type="datetimeFigureOut">
               <a:rPr lang="en-US" smtClean="0"/>
               <a:pPr/>
-              <a:t>3/11/2014</a:t>
+              <a:t>4/19/2019</a:t>
             </a:fld>
             <a:endParaRPr lang="en-US" dirty="0"/>
           </a:p>
@@ -9732,7 +9732,7 @@
     </p:spTree>
     <p:extLst>
       <p:ext uri="{BB962C8B-B14F-4D97-AF65-F5344CB8AC3E}">
-        <p14:creationId xmlns:p14="http://schemas.microsoft.com/office/powerpoint/2010/main" xmlns="" val="3153118052"/>
+        <p14:creationId xmlns:p14="http://schemas.microsoft.com/office/powerpoint/2010/main" val="3153118052"/>
       </p:ext>
     </p:extLst>
   </p:cSld>
@@ -10064,7 +10064,7 @@
             <a:fld id="{B61BEF0D-F0BB-DE4B-95CE-6DB70DBA9567}" type="datetimeFigureOut">
               <a:rPr lang="en-US" smtClean="0"/>
               <a:pPr/>
-              <a:t>3/11/2014</a:t>
+              <a:t>4/19/2019</a:t>
             </a:fld>
             <a:endParaRPr lang="en-US" dirty="0"/>
           </a:p>
@@ -10116,7 +10116,7 @@
     </p:spTree>
     <p:extLst>
       <p:ext uri="{BB962C8B-B14F-4D97-AF65-F5344CB8AC3E}">
-        <p14:creationId xmlns:p14="http://schemas.microsoft.com/office/powerpoint/2010/main" xmlns="" val="2921478986"/>
+        <p14:creationId xmlns:p14="http://schemas.microsoft.com/office/powerpoint/2010/main" val="2921478986"/>
       </p:ext>
     </p:extLst>
   </p:cSld>
@@ -10184,7 +10184,7 @@
             <a:fld id="{B61BEF0D-F0BB-DE4B-95CE-6DB70DBA9567}" type="datetimeFigureOut">
               <a:rPr lang="en-US" smtClean="0"/>
               <a:pPr/>
-              <a:t>3/11/2014</a:t>
+              <a:t>4/19/2019</a:t>
             </a:fld>
             <a:endParaRPr lang="en-US" dirty="0"/>
           </a:p>
@@ -10236,7 +10236,7 @@
     </p:spTree>
     <p:extLst>
       <p:ext uri="{BB962C8B-B14F-4D97-AF65-F5344CB8AC3E}">
-        <p14:creationId xmlns:p14="http://schemas.microsoft.com/office/powerpoint/2010/main" xmlns="" val="3626552503"/>
+        <p14:creationId xmlns:p14="http://schemas.microsoft.com/office/powerpoint/2010/main" val="3626552503"/>
       </p:ext>
     </p:extLst>
   </p:cSld>
@@ -10281,7 +10281,7 @@
             <a:fld id="{B61BEF0D-F0BB-DE4B-95CE-6DB70DBA9567}" type="datetimeFigureOut">
               <a:rPr lang="en-US" smtClean="0"/>
               <a:pPr/>
-              <a:t>3/11/2014</a:t>
+              <a:t>4/19/2019</a:t>
             </a:fld>
             <a:endParaRPr lang="en-US" dirty="0"/>
           </a:p>
@@ -10369,7 +10369,7 @@
     </p:spTree>
     <p:extLst>
       <p:ext uri="{BB962C8B-B14F-4D97-AF65-F5344CB8AC3E}">
-        <p14:creationId xmlns:p14="http://schemas.microsoft.com/office/powerpoint/2010/main" xmlns="" val="1801601323"/>
+        <p14:creationId xmlns:p14="http://schemas.microsoft.com/office/powerpoint/2010/main" val="1801601323"/>
       </p:ext>
     </p:extLst>
   </p:cSld>
@@ -11435,7 +11435,7 @@
             <a:fld id="{B61BEF0D-F0BB-DE4B-95CE-6DB70DBA9567}" type="datetimeFigureOut">
               <a:rPr lang="en-US" smtClean="0"/>
               <a:pPr/>
-              <a:t>3/11/2014</a:t>
+              <a:t>4/19/2019</a:t>
             </a:fld>
             <a:endParaRPr lang="en-US" dirty="0"/>
           </a:p>
@@ -11523,7 +11523,7 @@
     </p:spTree>
     <p:extLst>
       <p:ext uri="{BB962C8B-B14F-4D97-AF65-F5344CB8AC3E}">
-        <p14:creationId xmlns:p14="http://schemas.microsoft.com/office/powerpoint/2010/main" xmlns="" val="2843577939"/>
+        <p14:creationId xmlns:p14="http://schemas.microsoft.com/office/powerpoint/2010/main" val="2843577939"/>
       </p:ext>
     </p:extLst>
   </p:cSld>
@@ -12613,7 +12613,7 @@
             <a:fld id="{B61BEF0D-F0BB-DE4B-95CE-6DB70DBA9567}" type="datetimeFigureOut">
               <a:rPr lang="en-US" smtClean="0"/>
               <a:pPr/>
-              <a:t>3/11/2014</a:t>
+              <a:t>4/19/2019</a:t>
             </a:fld>
             <a:endParaRPr lang="en-US" dirty="0"/>
           </a:p>
@@ -12701,7 +12701,7 @@
     </p:spTree>
     <p:extLst>
       <p:ext uri="{BB962C8B-B14F-4D97-AF65-F5344CB8AC3E}">
-        <p14:creationId xmlns:p14="http://schemas.microsoft.com/office/powerpoint/2010/main" xmlns="" val="3425583920"/>
+        <p14:creationId xmlns:p14="http://schemas.microsoft.com/office/powerpoint/2010/main" val="3425583920"/>
       </p:ext>
     </p:extLst>
   </p:cSld>
@@ -13721,7 +13721,7 @@
             <a:fld id="{B61BEF0D-F0BB-DE4B-95CE-6DB70DBA9567}" type="datetimeFigureOut">
               <a:rPr lang="en-US" smtClean="0"/>
               <a:pPr/>
-              <a:t>3/11/2014</a:t>
+              <a:t>4/19/2019</a:t>
             </a:fld>
             <a:endParaRPr lang="en-US" dirty="0"/>
           </a:p>
@@ -13806,7 +13806,7 @@
     </p:spTree>
     <p:extLst>
       <p:ext uri="{BB962C8B-B14F-4D97-AF65-F5344CB8AC3E}">
-        <p14:creationId xmlns:p14="http://schemas.microsoft.com/office/powerpoint/2010/main" xmlns="" val="1119634709"/>
+        <p14:creationId xmlns:p14="http://schemas.microsoft.com/office/powerpoint/2010/main" val="1119634709"/>
       </p:ext>
     </p:extLst>
   </p:cSld>
@@ -14330,49 +14330,10 @@
           </a:p>
         </p:txBody>
       </p:sp>
-      <p:pic>
-        <p:nvPicPr>
-          <p:cNvPr id="5" name="Picture 4"/>
-          <p:cNvPicPr>
-            <a:picLocks noChangeAspect="1"/>
-          </p:cNvPicPr>
-          <p:nvPr/>
-        </p:nvPicPr>
-        <p:blipFill rotWithShape="1">
-          <a:blip r:embed="rId2">
-            <a:extLst>
-              <a:ext uri="{28A0092B-C50C-407E-A947-70E740481C1C}">
-                <a14:useLocalDpi xmlns:a14="http://schemas.microsoft.com/office/drawing/2010/main" xmlns="" val="0"/>
-              </a:ext>
-            </a:extLst>
-          </a:blip>
-          <a:srcRect l="2383" t="39915" r="2102" b="39055"/>
-          <a:stretch/>
-        </p:blipFill>
-        <p:spPr>
-          <a:xfrm>
-            <a:off x="680796" y="753189"/>
-            <a:ext cx="5367646" cy="665018"/>
-          </a:xfrm>
-          <a:prstGeom prst="rect">
-            <a:avLst/>
-          </a:prstGeom>
-          <a:ln>
-            <a:noFill/>
-          </a:ln>
-          <a:effectLst>
-            <a:outerShdw blurRad="292100" dist="139700" dir="2700000" algn="tl" rotWithShape="0">
-              <a:srgbClr val="333333">
-                <a:alpha val="65000"/>
-              </a:srgbClr>
-            </a:outerShdw>
-          </a:effectLst>
-        </p:spPr>
-      </p:pic>
     </p:spTree>
     <p:extLst>
       <p:ext uri="{BB962C8B-B14F-4D97-AF65-F5344CB8AC3E}">
-        <p14:creationId xmlns:p14="http://schemas.microsoft.com/office/powerpoint/2010/main" xmlns="" val="950369560"/>
+        <p14:creationId xmlns:p14="http://schemas.microsoft.com/office/powerpoint/2010/main" val="950369560"/>
       </p:ext>
     </p:extLst>
   </p:cSld>
@@ -14380,7 +14341,7 @@
     <a:masterClrMapping/>
   </p:clrMapOvr>
   <mc:AlternateContent xmlns:mc="http://schemas.openxmlformats.org/markup-compatibility/2006">
-    <mc:Choice xmlns:p15="http://schemas.microsoft.com/office/powerpoint/2012/main" xmlns="" Requires="p15">
+    <mc:Choice xmlns="" xmlns:p15="http://schemas.microsoft.com/office/powerpoint/2012/main" Requires="p15">
       <p:transition xmlns:p14="http://schemas.microsoft.com/office/powerpoint/2010/main" spd="slow" p14:dur="6000">
         <p15:prstTrans prst="curtains"/>
       </p:transition>
@@ -14869,14 +14830,14 @@
           </a:ln>
           <a:extLst>
             <a:ext uri="{909E8E84-426E-40DD-AFC4-6F175D3DCCD1}">
-              <a14:hiddenFill xmlns:a14="http://schemas.microsoft.com/office/drawing/2010/main" xmlns="">
+              <a14:hiddenFill xmlns:a14="http://schemas.microsoft.com/office/drawing/2010/main">
                 <a:solidFill>
                   <a:srgbClr val="FFFFFF"/>
                 </a:solidFill>
               </a14:hiddenFill>
             </a:ext>
             <a:ext uri="{91240B29-F687-4F45-9708-019B960494DF}">
-              <a14:hiddenLine xmlns:a14="http://schemas.microsoft.com/office/drawing/2010/main" xmlns="" w="12700">
+              <a14:hiddenLine xmlns:a14="http://schemas.microsoft.com/office/drawing/2010/main" w="12700">
                 <a:solidFill>
                   <a:srgbClr val="000000"/>
                 </a:solidFill>
@@ -16666,20 +16627,20 @@
     </p:spTree>
     <p:extLst>
       <p:ext uri="{BB962C8B-B14F-4D97-AF65-F5344CB8AC3E}">
-        <p14:creationId xmlns:p14="http://schemas.microsoft.com/office/powerpoint/2010/main" xmlns="" val="454656304"/>
+        <p14:creationId xmlns:p14="http://schemas.microsoft.com/office/powerpoint/2010/main" val="454656304"/>
       </p:ext>
     </p:extLst>
   </p:cSld>
   <p:clrMapOvr>
     <a:masterClrMapping/>
   </p:clrMapOvr>
-  <mc:AlternateContent xmlns:mc="http://schemas.openxmlformats.org/markup-compatibility/2006">
-    <mc:Choice xmlns:p14="http://schemas.microsoft.com/office/powerpoint/2010/main" xmlns="" Requires="p14">
+  <mc:AlternateContent xmlns:mc="http://schemas.openxmlformats.org/markup-compatibility/2006" xmlns:p14="http://schemas.microsoft.com/office/powerpoint/2010/main">
+    <mc:Choice Requires="p14">
       <p:transition spd="slow" p14:dur="1250">
         <p14:switch dir="r"/>
       </p:transition>
     </mc:Choice>
-    <mc:Fallback>
+    <mc:Fallback xmlns="">
       <p:transition spd="slow">
         <p:fade/>
       </p:transition>
@@ -16897,20 +16858,20 @@
     </p:spTree>
     <p:extLst>
       <p:ext uri="{BB962C8B-B14F-4D97-AF65-F5344CB8AC3E}">
-        <p14:creationId xmlns:p14="http://schemas.microsoft.com/office/powerpoint/2010/main" xmlns="" val="4254355600"/>
+        <p14:creationId xmlns:p14="http://schemas.microsoft.com/office/powerpoint/2010/main" val="4254355600"/>
       </p:ext>
     </p:extLst>
   </p:cSld>
   <p:clrMapOvr>
     <a:masterClrMapping/>
   </p:clrMapOvr>
-  <mc:AlternateContent xmlns:mc="http://schemas.openxmlformats.org/markup-compatibility/2006">
-    <mc:Choice xmlns:p14="http://schemas.microsoft.com/office/powerpoint/2010/main" xmlns="" Requires="p14">
+  <mc:AlternateContent xmlns:mc="http://schemas.openxmlformats.org/markup-compatibility/2006" xmlns:p14="http://schemas.microsoft.com/office/powerpoint/2010/main">
+    <mc:Choice Requires="p14">
       <p:transition spd="slow" p14:dur="3000">
         <p14:shred/>
       </p:transition>
     </mc:Choice>
-    <mc:Fallback>
+    <mc:Fallback xmlns="">
       <p:transition spd="slow">
         <p:fade/>
       </p:transition>
@@ -16955,7 +16916,7 @@
           <a:blip r:embed="rId2">
             <a:extLst>
               <a:ext uri="{28A0092B-C50C-407E-A947-70E740481C1C}">
-                <a14:useLocalDpi xmlns:a14="http://schemas.microsoft.com/office/drawing/2010/main" xmlns="" val="0"/>
+                <a14:useLocalDpi xmlns:a14="http://schemas.microsoft.com/office/drawing/2010/main" val="0"/>
               </a:ext>
             </a:extLst>
           </a:blip>
@@ -16976,7 +16937,7 @@
     </p:spTree>
     <p:extLst>
       <p:ext uri="{BB962C8B-B14F-4D97-AF65-F5344CB8AC3E}">
-        <p14:creationId xmlns:p14="http://schemas.microsoft.com/office/powerpoint/2010/main" xmlns="" val="2748896478"/>
+        <p14:creationId xmlns:p14="http://schemas.microsoft.com/office/powerpoint/2010/main" val="2748896478"/>
       </p:ext>
     </p:extLst>
   </p:cSld>
@@ -17462,7 +17423,7 @@
           <a:blip r:embed="rId2">
             <a:extLst>
               <a:ext uri="{28A0092B-C50C-407E-A947-70E740481C1C}">
-                <a14:useLocalDpi xmlns:a14="http://schemas.microsoft.com/office/drawing/2010/main" xmlns="" val="0"/>
+                <a14:useLocalDpi xmlns:a14="http://schemas.microsoft.com/office/drawing/2010/main" val="0"/>
               </a:ext>
             </a:extLst>
           </a:blip>
@@ -17485,14 +17446,14 @@
           </a:ln>
           <a:extLst>
             <a:ext uri="{909E8E84-426E-40DD-AFC4-6F175D3DCCD1}">
-              <a14:hiddenFill xmlns:a14="http://schemas.microsoft.com/office/drawing/2010/main" xmlns="">
+              <a14:hiddenFill xmlns:a14="http://schemas.microsoft.com/office/drawing/2010/main">
                 <a:solidFill>
                   <a:srgbClr val="FFFFFF"/>
                 </a:solidFill>
               </a14:hiddenFill>
             </a:ext>
             <a:ext uri="{91240B29-F687-4F45-9708-019B960494DF}">
-              <a14:hiddenLine xmlns:a14="http://schemas.microsoft.com/office/drawing/2010/main" xmlns="" w="9525">
+              <a14:hiddenLine xmlns:a14="http://schemas.microsoft.com/office/drawing/2010/main" w="9525">
                 <a:solidFill>
                   <a:srgbClr val="000000"/>
                 </a:solidFill>
@@ -17507,7 +17468,7 @@
     </p:spTree>
     <p:extLst>
       <p:ext uri="{BB962C8B-B14F-4D97-AF65-F5344CB8AC3E}">
-        <p14:creationId xmlns:p14="http://schemas.microsoft.com/office/powerpoint/2010/main" xmlns="" val="3730480969"/>
+        <p14:creationId xmlns:p14="http://schemas.microsoft.com/office/powerpoint/2010/main" val="3730480969"/>
       </p:ext>
     </p:extLst>
   </p:cSld>
@@ -17515,7 +17476,7 @@
     <a:masterClrMapping/>
   </p:clrMapOvr>
   <mc:AlternateContent xmlns:mc="http://schemas.openxmlformats.org/markup-compatibility/2006">
-    <mc:Choice xmlns:p15="http://schemas.microsoft.com/office/powerpoint/2012/main" xmlns="" Requires="p15">
+    <mc:Choice xmlns="" xmlns:p15="http://schemas.microsoft.com/office/powerpoint/2012/main" Requires="p15">
       <p:transition xmlns:p14="http://schemas.microsoft.com/office/powerpoint/2010/main" spd="slow" p14:dur="1250">
         <p15:prstTrans prst="pageCurlDouble"/>
       </p:transition>
@@ -17930,7 +17891,7 @@
           <a:blip r:embed="rId2">
             <a:extLst>
               <a:ext uri="{28A0092B-C50C-407E-A947-70E740481C1C}">
-                <a14:useLocalDpi xmlns:a14="http://schemas.microsoft.com/office/drawing/2010/main" xmlns="" val="0"/>
+                <a14:useLocalDpi xmlns:a14="http://schemas.microsoft.com/office/drawing/2010/main" val="0"/>
               </a:ext>
             </a:extLst>
           </a:blip>
@@ -17953,14 +17914,14 @@
           </a:ln>
           <a:extLst>
             <a:ext uri="{909E8E84-426E-40DD-AFC4-6F175D3DCCD1}">
-              <a14:hiddenFill xmlns:a14="http://schemas.microsoft.com/office/drawing/2010/main" xmlns="">
+              <a14:hiddenFill xmlns:a14="http://schemas.microsoft.com/office/drawing/2010/main">
                 <a:solidFill>
                   <a:srgbClr val="FFFFFF"/>
                 </a:solidFill>
               </a14:hiddenFill>
             </a:ext>
             <a:ext uri="{91240B29-F687-4F45-9708-019B960494DF}">
-              <a14:hiddenLine xmlns:a14="http://schemas.microsoft.com/office/drawing/2010/main" xmlns="" w="9525">
+              <a14:hiddenLine xmlns:a14="http://schemas.microsoft.com/office/drawing/2010/main" w="9525">
                 <a:solidFill>
                   <a:srgbClr val="000000"/>
                 </a:solidFill>
@@ -17994,14 +17955,14 @@
           </a:ln>
           <a:extLst>
             <a:ext uri="{909E8E84-426E-40DD-AFC4-6F175D3DCCD1}">
-              <a14:hiddenFill xmlns:a14="http://schemas.microsoft.com/office/drawing/2010/main" xmlns="">
+              <a14:hiddenFill xmlns:a14="http://schemas.microsoft.com/office/drawing/2010/main">
                 <a:solidFill>
                   <a:srgbClr val="FFFFFF"/>
                 </a:solidFill>
               </a14:hiddenFill>
             </a:ext>
             <a:ext uri="{91240B29-F687-4F45-9708-019B960494DF}">
-              <a14:hiddenLine xmlns:a14="http://schemas.microsoft.com/office/drawing/2010/main" xmlns="" w="9525">
+              <a14:hiddenLine xmlns:a14="http://schemas.microsoft.com/office/drawing/2010/main" w="9525">
                 <a:solidFill>
                   <a:srgbClr val="000000"/>
                 </a:solidFill>
@@ -18165,14 +18126,14 @@
           </a:ln>
           <a:extLst>
             <a:ext uri="{909E8E84-426E-40DD-AFC4-6F175D3DCCD1}">
-              <a14:hiddenFill xmlns:a14="http://schemas.microsoft.com/office/drawing/2010/main" xmlns="">
+              <a14:hiddenFill xmlns:a14="http://schemas.microsoft.com/office/drawing/2010/main">
                 <a:solidFill>
                   <a:srgbClr val="FFFFFF"/>
                 </a:solidFill>
               </a14:hiddenFill>
             </a:ext>
             <a:ext uri="{91240B29-F687-4F45-9708-019B960494DF}">
-              <a14:hiddenLine xmlns:a14="http://schemas.microsoft.com/office/drawing/2010/main" xmlns="" w="9525">
+              <a14:hiddenLine xmlns:a14="http://schemas.microsoft.com/office/drawing/2010/main" w="9525">
                 <a:solidFill>
                   <a:srgbClr val="000000"/>
                 </a:solidFill>
@@ -18317,7 +18278,7 @@
     </p:spTree>
     <p:extLst>
       <p:ext uri="{BB962C8B-B14F-4D97-AF65-F5344CB8AC3E}">
-        <p14:creationId xmlns:p14="http://schemas.microsoft.com/office/powerpoint/2010/main" xmlns="" val="1897770984"/>
+        <p14:creationId xmlns:p14="http://schemas.microsoft.com/office/powerpoint/2010/main" val="1897770984"/>
       </p:ext>
     </p:extLst>
   </p:cSld>
@@ -18325,7 +18286,7 @@
     <a:masterClrMapping/>
   </p:clrMapOvr>
   <mc:AlternateContent xmlns:mc="http://schemas.openxmlformats.org/markup-compatibility/2006">
-    <mc:Choice xmlns:p15="http://schemas.microsoft.com/office/powerpoint/2012/main" xmlns="" Requires="p15">
+    <mc:Choice xmlns="" xmlns:p15="http://schemas.microsoft.com/office/powerpoint/2012/main" Requires="p15">
       <p:transition xmlns:p14="http://schemas.microsoft.com/office/powerpoint/2010/main" spd="slow" p14:dur="1250">
         <p15:prstTrans prst="peelOff"/>
       </p:transition>
@@ -18994,7 +18955,7 @@
           <a:blip r:embed="rId2">
             <a:extLst>
               <a:ext uri="{28A0092B-C50C-407E-A947-70E740481C1C}">
-                <a14:useLocalDpi xmlns:a14="http://schemas.microsoft.com/office/drawing/2010/main" xmlns="" val="0"/>
+                <a14:useLocalDpi xmlns:a14="http://schemas.microsoft.com/office/drawing/2010/main" val="0"/>
               </a:ext>
             </a:extLst>
           </a:blip>
@@ -19017,14 +18978,14 @@
           </a:ln>
           <a:extLst>
             <a:ext uri="{909E8E84-426E-40DD-AFC4-6F175D3DCCD1}">
-              <a14:hiddenFill xmlns:a14="http://schemas.microsoft.com/office/drawing/2010/main" xmlns="">
+              <a14:hiddenFill xmlns:a14="http://schemas.microsoft.com/office/drawing/2010/main">
                 <a:solidFill>
                   <a:srgbClr val="FFFFFF"/>
                 </a:solidFill>
               </a14:hiddenFill>
             </a:ext>
             <a:ext uri="{91240B29-F687-4F45-9708-019B960494DF}">
-              <a14:hiddenLine xmlns:a14="http://schemas.microsoft.com/office/drawing/2010/main" xmlns="" w="9525">
+              <a14:hiddenLine xmlns:a14="http://schemas.microsoft.com/office/drawing/2010/main" w="9525">
                 <a:solidFill>
                   <a:srgbClr val="000000"/>
                 </a:solidFill>
@@ -19058,14 +19019,14 @@
           </a:ln>
           <a:extLst>
             <a:ext uri="{909E8E84-426E-40DD-AFC4-6F175D3DCCD1}">
-              <a14:hiddenFill xmlns:a14="http://schemas.microsoft.com/office/drawing/2010/main" xmlns="">
+              <a14:hiddenFill xmlns:a14="http://schemas.microsoft.com/office/drawing/2010/main">
                 <a:solidFill>
                   <a:srgbClr val="FFFFFF"/>
                 </a:solidFill>
               </a14:hiddenFill>
             </a:ext>
             <a:ext uri="{91240B29-F687-4F45-9708-019B960494DF}">
-              <a14:hiddenLine xmlns:a14="http://schemas.microsoft.com/office/drawing/2010/main" xmlns="" w="9525">
+              <a14:hiddenLine xmlns:a14="http://schemas.microsoft.com/office/drawing/2010/main" w="9525">
                 <a:solidFill>
                   <a:srgbClr val="000000"/>
                 </a:solidFill>
@@ -19231,14 +19192,14 @@
           </a:ln>
           <a:extLst>
             <a:ext uri="{909E8E84-426E-40DD-AFC4-6F175D3DCCD1}">
-              <a14:hiddenFill xmlns:a14="http://schemas.microsoft.com/office/drawing/2010/main" xmlns="">
+              <a14:hiddenFill xmlns:a14="http://schemas.microsoft.com/office/drawing/2010/main">
                 <a:solidFill>
                   <a:srgbClr val="FFFFFF"/>
                 </a:solidFill>
               </a14:hiddenFill>
             </a:ext>
             <a:ext uri="{91240B29-F687-4F45-9708-019B960494DF}">
-              <a14:hiddenLine xmlns:a14="http://schemas.microsoft.com/office/drawing/2010/main" xmlns="" w="9525">
+              <a14:hiddenLine xmlns:a14="http://schemas.microsoft.com/office/drawing/2010/main" w="9525">
                 <a:solidFill>
                   <a:srgbClr val="000000"/>
                 </a:solidFill>
@@ -19385,20 +19346,20 @@
     </p:spTree>
     <p:extLst>
       <p:ext uri="{BB962C8B-B14F-4D97-AF65-F5344CB8AC3E}">
-        <p14:creationId xmlns:p14="http://schemas.microsoft.com/office/powerpoint/2010/main" xmlns="" val="1524151547"/>
+        <p14:creationId xmlns:p14="http://schemas.microsoft.com/office/powerpoint/2010/main" val="1524151547"/>
       </p:ext>
     </p:extLst>
   </p:cSld>
   <p:clrMapOvr>
     <a:masterClrMapping/>
   </p:clrMapOvr>
-  <mc:AlternateContent xmlns:mc="http://schemas.openxmlformats.org/markup-compatibility/2006">
-    <mc:Choice xmlns:p14="http://schemas.microsoft.com/office/powerpoint/2010/main" xmlns="" Requires="p14">
+  <mc:AlternateContent xmlns:mc="http://schemas.openxmlformats.org/markup-compatibility/2006" xmlns:p14="http://schemas.microsoft.com/office/powerpoint/2010/main">
+    <mc:Choice Requires="p14">
       <p:transition spd="slow" p14:dur="2500">
         <p:checker/>
       </p:transition>
     </mc:Choice>
-    <mc:Fallback>
+    <mc:Fallback xmlns="">
       <p:transition spd="slow">
         <p:checker/>
       </p:transition>
@@ -20555,20 +20516,20 @@
     </p:spTree>
     <p:extLst>
       <p:ext uri="{BB962C8B-B14F-4D97-AF65-F5344CB8AC3E}">
-        <p14:creationId xmlns:p14="http://schemas.microsoft.com/office/powerpoint/2010/main" xmlns="" val="2706423952"/>
+        <p14:creationId xmlns:p14="http://schemas.microsoft.com/office/powerpoint/2010/main" val="2706423952"/>
       </p:ext>
     </p:extLst>
   </p:cSld>
   <p:clrMapOvr>
     <a:masterClrMapping/>
   </p:clrMapOvr>
-  <mc:AlternateContent xmlns:mc="http://schemas.openxmlformats.org/markup-compatibility/2006">
-    <mc:Choice xmlns:p14="http://schemas.microsoft.com/office/powerpoint/2010/main" xmlns="" Requires="p14">
+  <mc:AlternateContent xmlns:mc="http://schemas.openxmlformats.org/markup-compatibility/2006" xmlns:p14="http://schemas.microsoft.com/office/powerpoint/2010/main">
+    <mc:Choice Requires="p14">
       <p:transition spd="slow" p14:dur="4000">
         <p14:vortex dir="r"/>
       </p:transition>
     </mc:Choice>
-    <mc:Fallback>
+    <mc:Fallback xmlns="">
       <p:transition spd="slow">
         <p:fade/>
       </p:transition>
@@ -21042,7 +21003,7 @@
           <a:blip r:embed="rId2">
             <a:extLst>
               <a:ext uri="{28A0092B-C50C-407E-A947-70E740481C1C}">
-                <a14:useLocalDpi xmlns:a14="http://schemas.microsoft.com/office/drawing/2010/main" xmlns="" val="0"/>
+                <a14:useLocalDpi xmlns:a14="http://schemas.microsoft.com/office/drawing/2010/main" val="0"/>
               </a:ext>
             </a:extLst>
           </a:blip>
@@ -21065,14 +21026,14 @@
           </a:ln>
           <a:extLst>
             <a:ext uri="{909E8E84-426E-40DD-AFC4-6F175D3DCCD1}">
-              <a14:hiddenFill xmlns:a14="http://schemas.microsoft.com/office/drawing/2010/main" xmlns="">
+              <a14:hiddenFill xmlns:a14="http://schemas.microsoft.com/office/drawing/2010/main">
                 <a:solidFill>
                   <a:srgbClr val="FFFFFF"/>
                 </a:solidFill>
               </a14:hiddenFill>
             </a:ext>
             <a:ext uri="{91240B29-F687-4F45-9708-019B960494DF}">
-              <a14:hiddenLine xmlns:a14="http://schemas.microsoft.com/office/drawing/2010/main" xmlns="" w="9525">
+              <a14:hiddenLine xmlns:a14="http://schemas.microsoft.com/office/drawing/2010/main" w="9525">
                 <a:solidFill>
                   <a:srgbClr val="000000"/>
                 </a:solidFill>
@@ -21087,7 +21048,7 @@
     </p:spTree>
     <p:extLst>
       <p:ext uri="{BB962C8B-B14F-4D97-AF65-F5344CB8AC3E}">
-        <p14:creationId xmlns:p14="http://schemas.microsoft.com/office/powerpoint/2010/main" xmlns="" val="2423809503"/>
+        <p14:creationId xmlns:p14="http://schemas.microsoft.com/office/powerpoint/2010/main" val="2423809503"/>
       </p:ext>
     </p:extLst>
   </p:cSld>
@@ -21270,14 +21231,7 @@
                 <a:latin typeface="Times New Roman" panose="02020603050405020304" pitchFamily="18" charset="0"/>
                 <a:cs typeface="Times New Roman" panose="02020603050405020304" pitchFamily="18" charset="0"/>
               </a:rPr>
-              <a:t>IL(code</a:t>
-            </a:r>
-            <a:r>
-              <a:rPr lang="en-US" b="1" dirty="0" smtClean="0">
-                <a:latin typeface="Times New Roman" panose="02020603050405020304" pitchFamily="18" charset="0"/>
-                <a:cs typeface="Times New Roman" panose="02020603050405020304" pitchFamily="18" charset="0"/>
-              </a:rPr>
-              <a:t>)</a:t>
+              <a:t>IL(code)</a:t>
             </a:r>
             <a:endParaRPr lang="en-US" b="1" dirty="0">
               <a:latin typeface="Times New Roman" panose="02020603050405020304" pitchFamily="18" charset="0"/>
@@ -21495,20 +21449,20 @@
     </p:spTree>
     <p:extLst>
       <p:ext uri="{BB962C8B-B14F-4D97-AF65-F5344CB8AC3E}">
-        <p14:creationId xmlns:p14="http://schemas.microsoft.com/office/powerpoint/2010/main" xmlns="" val="4024111327"/>
+        <p14:creationId xmlns:p14="http://schemas.microsoft.com/office/powerpoint/2010/main" val="4024111327"/>
       </p:ext>
     </p:extLst>
   </p:cSld>
   <p:clrMapOvr>
     <a:masterClrMapping/>
   </p:clrMapOvr>
-  <mc:AlternateContent xmlns:mc="http://schemas.openxmlformats.org/markup-compatibility/2006">
-    <mc:Choice xmlns:p14="http://schemas.microsoft.com/office/powerpoint/2010/main" xmlns="" Requires="p14">
+  <mc:AlternateContent xmlns:mc="http://schemas.openxmlformats.org/markup-compatibility/2006" xmlns:p14="http://schemas.microsoft.com/office/powerpoint/2010/main">
+    <mc:Choice Requires="p14">
       <p:transition spd="slow" p14:dur="3900">
         <p14:glitter pattern="hexagon"/>
       </p:transition>
     </mc:Choice>
-    <mc:Fallback>
+    <mc:Fallback xmlns="">
       <p:transition spd="slow">
         <p:fade/>
       </p:transition>
@@ -21565,14 +21519,14 @@
           </a:ln>
           <a:extLst>
             <a:ext uri="{909E8E84-426E-40DD-AFC4-6F175D3DCCD1}">
-              <a14:hiddenFill xmlns:a14="http://schemas.microsoft.com/office/drawing/2010/main" xmlns="">
+              <a14:hiddenFill xmlns:a14="http://schemas.microsoft.com/office/drawing/2010/main">
                 <a:solidFill>
                   <a:srgbClr val="FFFFFF"/>
                 </a:solidFill>
               </a14:hiddenFill>
             </a:ext>
             <a:ext uri="{91240B29-F687-4F45-9708-019B960494DF}">
-              <a14:hiddenLine xmlns:a14="http://schemas.microsoft.com/office/drawing/2010/main" xmlns="" w="12700">
+              <a14:hiddenLine xmlns:a14="http://schemas.microsoft.com/office/drawing/2010/main" w="12700">
                 <a:solidFill>
                   <a:srgbClr val="000000"/>
                 </a:solidFill>
@@ -23441,20 +23395,20 @@
     </p:spTree>
     <p:extLst>
       <p:ext uri="{BB962C8B-B14F-4D97-AF65-F5344CB8AC3E}">
-        <p14:creationId xmlns:p14="http://schemas.microsoft.com/office/powerpoint/2010/main" xmlns="" val="1603418662"/>
+        <p14:creationId xmlns:p14="http://schemas.microsoft.com/office/powerpoint/2010/main" val="1603418662"/>
       </p:ext>
     </p:extLst>
   </p:cSld>
   <p:clrMapOvr>
     <a:masterClrMapping/>
   </p:clrMapOvr>
-  <mc:AlternateContent xmlns:mc="http://schemas.openxmlformats.org/markup-compatibility/2006">
-    <mc:Choice xmlns:p14="http://schemas.microsoft.com/office/powerpoint/2010/main" xmlns="" Requires="p14">
+  <mc:AlternateContent xmlns:mc="http://schemas.openxmlformats.org/markup-compatibility/2006" xmlns:p14="http://schemas.microsoft.com/office/powerpoint/2010/main">
+    <mc:Choice Requires="p14">
       <p:transition spd="slow" p14:dur="1250">
         <p14:switch dir="r"/>
       </p:transition>
     </mc:Choice>
-    <mc:Fallback>
+    <mc:Fallback xmlns="">
       <p:transition spd="slow">
         <p:fade/>
       </p:transition>
@@ -25747,20 +25701,20 @@
     </p:spTree>
     <p:extLst>
       <p:ext uri="{BB962C8B-B14F-4D97-AF65-F5344CB8AC3E}">
-        <p14:creationId xmlns:p14="http://schemas.microsoft.com/office/powerpoint/2010/main" xmlns="" val="2950972482"/>
+        <p14:creationId xmlns:p14="http://schemas.microsoft.com/office/powerpoint/2010/main" val="2950972482"/>
       </p:ext>
     </p:extLst>
   </p:cSld>
   <p:clrMapOvr>
     <a:masterClrMapping/>
   </p:clrMapOvr>
-  <mc:AlternateContent xmlns:mc="http://schemas.openxmlformats.org/markup-compatibility/2006">
-    <mc:Choice xmlns:p14="http://schemas.microsoft.com/office/powerpoint/2010/main" xmlns="" Requires="p14">
+  <mc:AlternateContent xmlns:mc="http://schemas.openxmlformats.org/markup-compatibility/2006" xmlns:p14="http://schemas.microsoft.com/office/powerpoint/2010/main">
+    <mc:Choice Requires="p14">
       <p:transition spd="slow" p14:dur="1250">
         <p14:switch dir="r"/>
       </p:transition>
     </mc:Choice>
-    <mc:Fallback>
+    <mc:Fallback xmlns="">
       <p:transition spd="slow">
         <p:fade/>
       </p:transition>
@@ -26033,7 +25987,7 @@
   <a:extraClrSchemeLst/>
   <a:extLst>
     <a:ext uri="{05A4C25C-085E-4340-85A3-A5531E510DB2}">
-      <thm15:themeFamily xmlns:thm15="http://schemas.microsoft.com/office/thememl/2012/main" xmlns="" name="Ion Boardroom" id="{FC33163D-4339-46B1-8EED-24C834239D99}" vid="{BF1C4790-FE3C-4020-8CA7-00621DA7BBBC}"/>
+      <thm15:themeFamily xmlns="" xmlns:thm15="http://schemas.microsoft.com/office/thememl/2012/main" name="Ion Boardroom" id="{FC33163D-4339-46B1-8EED-24C834239D99}" vid="{BF1C4790-FE3C-4020-8CA7-00621DA7BBBC}"/>
     </a:ext>
   </a:extLst>
 </a:theme>
